--- a/Tags/AP.pptx
+++ b/Tags/AP.pptx
@@ -34,28 +34,28 @@
   <p:notesSz cx="6858000" cy="9144000"/>
   <p:embeddedFontLst>
     <p:embeddedFont>
-      <p:font typeface="Georgia" pitchFamily="18" charset="0"/>
+      <p:font typeface="Calibri" pitchFamily="34" charset="0"/>
       <p:regular r:id="rId24"/>
       <p:bold r:id="rId25"/>
-      <p:italic r:id="rId26"/>
-      <p:boldItalic r:id="rId27"/>
+    </p:embeddedFont>
+    <p:embeddedFont>
+      <p:font typeface="Georgia" pitchFamily="18" charset="0"/>
+      <p:regular r:id="rId26"/>
+      <p:bold r:id="rId27"/>
+      <p:italic r:id="rId28"/>
+      <p:boldItalic r:id="rId29"/>
     </p:embeddedFont>
     <p:embeddedFont>
       <p:font typeface="PT Sans Narrow" charset="0"/>
-      <p:regular r:id="rId28"/>
-      <p:bold r:id="rId29"/>
+      <p:regular r:id="rId30"/>
+      <p:bold r:id="rId31"/>
     </p:embeddedFont>
     <p:embeddedFont>
       <p:font typeface="Open Sans" charset="0"/>
-      <p:regular r:id="rId30"/>
-      <p:bold r:id="rId31"/>
-      <p:italic r:id="rId32"/>
-      <p:boldItalic r:id="rId33"/>
-    </p:embeddedFont>
-    <p:embeddedFont>
-      <p:font typeface="Calibri" pitchFamily="34" charset="0"/>
-      <p:regular r:id="rId34"/>
-      <p:bold r:id="rId35"/>
+      <p:regular r:id="rId32"/>
+      <p:bold r:id="rId33"/>
+      <p:italic r:id="rId34"/>
+      <p:boldItalic r:id="rId35"/>
     </p:embeddedFont>
   </p:embeddedFontLst>
   <p:defaultTextStyle>
@@ -289,7 +289,7 @@
   </p:defaultTextStyle>
   <p:extLst>
     <p:ext uri="{EFAFB233-063F-42B5-8137-9DF3F51BA10A}">
-      <p15:sldGuideLst xmlns:p15="http://schemas.microsoft.com/office/powerpoint/2012/main" xmlns:p14="http://schemas.microsoft.com/office/powerpoint/2010/main" xmlns:com="http://schemas.openxmlformats.org/drawingml/2006/compatibility" xmlns:pvml="urn:schemas-microsoft-com:office:powerpoint" xmlns:v="urn:schemas-microsoft-com:vml" xmlns:o="urn:schemas-microsoft-com:office:office" xmlns:dgm="http://schemas.openxmlformats.org/drawingml/2006/diagram" xmlns:c="http://schemas.openxmlformats.org/drawingml/2006/chart" xmlns:mv="urn:schemas-microsoft-com:mac:vml" xmlns:mc="http://schemas.openxmlformats.org/markup-compatibility/2006" xmlns="">
+      <p15:sldGuideLst xmlns="" xmlns:mc="http://schemas.openxmlformats.org/markup-compatibility/2006" xmlns:mv="urn:schemas-microsoft-com:mac:vml" xmlns:c="http://schemas.openxmlformats.org/drawingml/2006/chart" xmlns:dgm="http://schemas.openxmlformats.org/drawingml/2006/diagram" xmlns:o="urn:schemas-microsoft-com:office:office" xmlns:v="urn:schemas-microsoft-com:vml" xmlns:pvml="urn:schemas-microsoft-com:office:powerpoint" xmlns:com="http://schemas.openxmlformats.org/drawingml/2006/compatibility" xmlns:p14="http://schemas.microsoft.com/office/powerpoint/2010/main" xmlns:p15="http://schemas.microsoft.com/office/powerpoint/2012/main">
         <p15:guide id="1" orient="horz" pos="1620">
           <p15:clr>
             <a:srgbClr val="A4A3A4"/>
@@ -16620,11 +16620,7 @@
             </a:pPr>
             <a:r>
               <a:rPr lang="en" dirty="0" smtClean="0"/>
-              <a:t>01:02:45</a:t>
-            </a:r>
-            <a:r>
-              <a:rPr lang="en" dirty="0" smtClean="0"/>
-              <a:t>: </a:t>
+              <a:t>01:02:45: </a:t>
             </a:r>
             <a:r>
               <a:rPr lang="en" dirty="0"/>
@@ -17545,7 +17541,11 @@
             </a:pPr>
             <a:r>
               <a:rPr lang="en" dirty="0" smtClean="0"/>
-              <a:t>0:01:05:</a:t>
+              <a:t>00:01:05</a:t>
+            </a:r>
+            <a:r>
+              <a:rPr lang="en" dirty="0" smtClean="0"/>
+              <a:t>:</a:t>
             </a:r>
             <a:r>
               <a:rPr lang="en" dirty="0"/>
@@ -17569,7 +17569,11 @@
             </a:pPr>
             <a:r>
               <a:rPr lang="en" dirty="0" smtClean="0"/>
-              <a:t>0:09:10:</a:t>
+              <a:t>00:09:10</a:t>
+            </a:r>
+            <a:r>
+              <a:rPr lang="en" dirty="0" smtClean="0"/>
+              <a:t>:</a:t>
             </a:r>
             <a:r>
               <a:rPr lang="en" dirty="0"/>
@@ -17593,7 +17597,11 @@
             </a:pPr>
             <a:r>
               <a:rPr lang="en" dirty="0" smtClean="0"/>
-              <a:t>0:12:56:</a:t>
+              <a:t>00:12:56</a:t>
+            </a:r>
+            <a:r>
+              <a:rPr lang="en" dirty="0" smtClean="0"/>
+              <a:t>:</a:t>
             </a:r>
             <a:r>
               <a:rPr lang="en" dirty="0"/>
@@ -17617,7 +17625,11 @@
             </a:pPr>
             <a:r>
               <a:rPr lang="en" dirty="0" smtClean="0"/>
-              <a:t>0:24:20:</a:t>
+              <a:t>00:24:20</a:t>
+            </a:r>
+            <a:r>
+              <a:rPr lang="en" dirty="0" smtClean="0"/>
+              <a:t>:</a:t>
             </a:r>
             <a:r>
               <a:rPr lang="en" dirty="0"/>
@@ -17640,8 +17652,12 @@
               <a:buNone/>
             </a:pPr>
             <a:r>
+              <a:rPr lang="en" smtClean="0"/>
+              <a:t>00:58:55</a:t>
+            </a:r>
+            <a:r>
               <a:rPr lang="en" dirty="0" smtClean="0"/>
-              <a:t>0:58:55:</a:t>
+              <a:t>:</a:t>
             </a:r>
             <a:r>
               <a:rPr lang="en" dirty="0"/>
@@ -17668,15 +17684,19 @@
               <a:buNone/>
             </a:pPr>
             <a:r>
-              <a:rPr lang="en" smtClean="0"/>
-              <a:t>1:05:06:</a:t>
+              <a:rPr lang="en" dirty="0" smtClean="0"/>
+              <a:t>01:05:06</a:t>
+            </a:r>
+            <a:r>
+              <a:rPr lang="en" dirty="0" smtClean="0"/>
+              <a:t>:</a:t>
             </a:r>
             <a:r>
               <a:rPr lang="en" dirty="0"/>
               <a:t> </a:t>
             </a:r>
             <a:r>
-              <a:rPr lang="en" smtClean="0"/>
+              <a:rPr lang="en" dirty="0" smtClean="0"/>
               <a:t>pointer </a:t>
             </a:r>
             <a:r>

--- a/Tags/AP.pptx
+++ b/Tags/AP.pptx
@@ -34,24 +34,24 @@
   <p:notesSz cx="6858000" cy="9144000"/>
   <p:embeddedFontLst>
     <p:embeddedFont>
-      <p:font typeface="Calibri" pitchFamily="34" charset="0"/>
+      <p:font typeface="PT Sans Narrow" charset="0"/>
       <p:regular r:id="rId24"/>
       <p:bold r:id="rId25"/>
     </p:embeddedFont>
     <p:embeddedFont>
-      <p:font typeface="Georgia" pitchFamily="18" charset="0"/>
+      <p:font typeface="Open Sans" charset="0"/>
       <p:regular r:id="rId26"/>
       <p:bold r:id="rId27"/>
       <p:italic r:id="rId28"/>
       <p:boldItalic r:id="rId29"/>
     </p:embeddedFont>
     <p:embeddedFont>
-      <p:font typeface="PT Sans Narrow" charset="0"/>
+      <p:font typeface="Calibri" pitchFamily="34" charset="0"/>
       <p:regular r:id="rId30"/>
       <p:bold r:id="rId31"/>
     </p:embeddedFont>
     <p:embeddedFont>
-      <p:font typeface="Open Sans" charset="0"/>
+      <p:font typeface="Georgia" pitchFamily="18" charset="0"/>
       <p:regular r:id="rId32"/>
       <p:bold r:id="rId33"/>
       <p:italic r:id="rId34"/>
@@ -289,7 +289,7 @@
   </p:defaultTextStyle>
   <p:extLst>
     <p:ext uri="{EFAFB233-063F-42B5-8137-9DF3F51BA10A}">
-      <p15:sldGuideLst xmlns="" xmlns:mc="http://schemas.openxmlformats.org/markup-compatibility/2006" xmlns:mv="urn:schemas-microsoft-com:mac:vml" xmlns:c="http://schemas.openxmlformats.org/drawingml/2006/chart" xmlns:dgm="http://schemas.openxmlformats.org/drawingml/2006/diagram" xmlns:o="urn:schemas-microsoft-com:office:office" xmlns:v="urn:schemas-microsoft-com:vml" xmlns:pvml="urn:schemas-microsoft-com:office:powerpoint" xmlns:com="http://schemas.openxmlformats.org/drawingml/2006/compatibility" xmlns:p14="http://schemas.microsoft.com/office/powerpoint/2010/main" xmlns:p15="http://schemas.microsoft.com/office/powerpoint/2012/main">
+      <p15:sldGuideLst xmlns:p15="http://schemas.microsoft.com/office/powerpoint/2012/main" xmlns:p14="http://schemas.microsoft.com/office/powerpoint/2010/main" xmlns:com="http://schemas.openxmlformats.org/drawingml/2006/compatibility" xmlns:pvml="urn:schemas-microsoft-com:office:powerpoint" xmlns:v="urn:schemas-microsoft-com:vml" xmlns:o="urn:schemas-microsoft-com:office:office" xmlns:dgm="http://schemas.openxmlformats.org/drawingml/2006/diagram" xmlns:c="http://schemas.openxmlformats.org/drawingml/2006/chart" xmlns:mv="urn:schemas-microsoft-com:mac:vml" xmlns:mc="http://schemas.openxmlformats.org/markup-compatibility/2006" xmlns="">
         <p15:guide id="1" orient="horz" pos="1620">
           <p15:clr>
             <a:srgbClr val="A4A3A4"/>
@@ -8676,20 +8676,24 @@
           </a:bodyPr>
           <a:lstStyle/>
           <a:p>
-            <a:pPr marL="0" lvl="0" indent="0" algn="l" rtl="0">
-              <a:spcBef>
-                <a:spcPts val="0"/>
-              </a:spcBef>
-              <a:spcAft>
-                <a:spcPts val="0"/>
-              </a:spcAft>
-              <a:buNone/>
-            </a:pPr>
-            <a:r>
-              <a:rPr lang="en"/>
-              <a:t>Moeen Tayebi, 9623073, S11</a:t>
-            </a:r>
-            <a:endParaRPr/>
+            <a:pPr lvl="0"/>
+            <a:r>
+              <a:rPr lang="en" dirty="0"/>
+              <a:t>Moeen Tayebi, 9623073, </a:t>
+            </a:r>
+            <a:r>
+              <a:rPr lang="en" dirty="0"/>
+              <a:t>Session = </a:t>
+            </a:r>
+            <a:r>
+              <a:rPr lang="en" dirty="0" smtClean="0"/>
+              <a:t>#</a:t>
+            </a:r>
+            <a:r>
+              <a:rPr lang="en-US" dirty="0" smtClean="0"/>
+              <a:t>S11-990117</a:t>
+            </a:r>
+            <a:endParaRPr dirty="0"/>
           </a:p>
         </p:txBody>
       </p:sp>
@@ -9047,20 +9051,24 @@
           </a:bodyPr>
           <a:lstStyle/>
           <a:p>
-            <a:pPr marL="0" lvl="0" indent="0" algn="l" rtl="0">
-              <a:spcBef>
-                <a:spcPts val="0"/>
-              </a:spcBef>
-              <a:spcAft>
-                <a:spcPts val="0"/>
-              </a:spcAft>
-              <a:buNone/>
-            </a:pPr>
-            <a:r>
-              <a:rPr lang="en"/>
-              <a:t>Farhan Bishe , 9523020 , S12</a:t>
-            </a:r>
-            <a:endParaRPr/>
+            <a:pPr lvl="0"/>
+            <a:r>
+              <a:rPr lang="en" dirty="0"/>
+              <a:t>Farhan Bishe , 9523020 , </a:t>
+            </a:r>
+            <a:r>
+              <a:rPr lang="en" dirty="0"/>
+              <a:t>Session = </a:t>
+            </a:r>
+            <a:r>
+              <a:rPr lang="en" dirty="0" smtClean="0"/>
+              <a:t>#</a:t>
+            </a:r>
+            <a:r>
+              <a:rPr lang="en-US" dirty="0" smtClean="0"/>
+              <a:t>S12-990119</a:t>
+            </a:r>
+            <a:endParaRPr dirty="0"/>
           </a:p>
         </p:txBody>
       </p:sp>
@@ -10591,20 +10599,24 @@
           </a:bodyPr>
           <a:lstStyle/>
           <a:p>
-            <a:pPr marL="0" lvl="0" indent="0" algn="l" rtl="0">
-              <a:spcBef>
-                <a:spcPts val="0"/>
-              </a:spcBef>
-              <a:spcAft>
-                <a:spcPts val="0"/>
-              </a:spcAft>
-              <a:buNone/>
-            </a:pPr>
-            <a:r>
-              <a:rPr lang="en"/>
-              <a:t>Fateme Farokhimoghadam,9533071,S13</a:t>
-            </a:r>
-            <a:endParaRPr/>
+            <a:pPr lvl="0"/>
+            <a:r>
+              <a:rPr lang="en" sz="2800" dirty="0"/>
+              <a:t>Fateme Farokhimoghadam,9533071</a:t>
+            </a:r>
+            <a:r>
+              <a:rPr lang="en" sz="2800" dirty="0"/>
+              <a:t>, Session </a:t>
+            </a:r>
+            <a:r>
+              <a:rPr lang="en" sz="2800" smtClean="0"/>
+              <a:t>= #</a:t>
+            </a:r>
+            <a:r>
+              <a:rPr lang="en-US" sz="2800" smtClean="0"/>
+              <a:t>S13-990124</a:t>
+            </a:r>
+            <a:endParaRPr dirty="0"/>
           </a:p>
         </p:txBody>
       </p:sp>
@@ -11010,22 +11022,22 @@
           </a:bodyPr>
           <a:lstStyle/>
           <a:p>
-            <a:pPr marL="0" lvl="0" indent="0" algn="l" rtl="0">
-              <a:spcBef>
-                <a:spcPts val="0"/>
-              </a:spcBef>
-              <a:spcAft>
-                <a:spcPts val="0"/>
-              </a:spcAft>
-              <a:buNone/>
-            </a:pPr>
+            <a:pPr lvl="0"/>
             <a:r>
               <a:rPr lang="en" dirty="0"/>
               <a:t>Mahdi sabour , 9623070 , </a:t>
             </a:r>
             <a:r>
+              <a:rPr lang="en" dirty="0"/>
+              <a:t>Session = </a:t>
+            </a:r>
+            <a:r>
               <a:rPr lang="en" dirty="0" smtClean="0"/>
-              <a:t>S14</a:t>
+              <a:t>#</a:t>
+            </a:r>
+            <a:r>
+              <a:rPr lang="en-US" dirty="0" smtClean="0"/>
+              <a:t>S14-990126</a:t>
             </a:r>
             <a:endParaRPr dirty="0"/>
           </a:p>
@@ -11677,20 +11689,24 @@
           </a:bodyPr>
           <a:lstStyle/>
           <a:p>
-            <a:pPr marL="0" lvl="0" indent="0" algn="l" rtl="0">
-              <a:spcBef>
-                <a:spcPts val="0"/>
-              </a:spcBef>
-              <a:spcAft>
-                <a:spcPts val="0"/>
-              </a:spcAft>
-              <a:buNone/>
-            </a:pPr>
-            <a:r>
-              <a:rPr lang="en"/>
-              <a:t>Fateme Shariftabar , 9523304 , S15</a:t>
-            </a:r>
-            <a:endParaRPr/>
+            <a:pPr lvl="0"/>
+            <a:r>
+              <a:rPr lang="en" dirty="0"/>
+              <a:t>Fateme Shariftabar , 9523304 , </a:t>
+            </a:r>
+            <a:r>
+              <a:rPr lang="en" dirty="0"/>
+              <a:t>Session = </a:t>
+            </a:r>
+            <a:r>
+              <a:rPr lang="en" dirty="0" smtClean="0"/>
+              <a:t>#</a:t>
+            </a:r>
+            <a:r>
+              <a:rPr lang="en-US" dirty="0" smtClean="0"/>
+              <a:t>S15-990131</a:t>
+            </a:r>
+            <a:endParaRPr dirty="0"/>
           </a:p>
         </p:txBody>
       </p:sp>
@@ -11972,20 +11988,24 @@
           </a:bodyPr>
           <a:lstStyle/>
           <a:p>
-            <a:pPr marL="0" lvl="0" indent="0" algn="l" rtl="0">
-              <a:spcBef>
-                <a:spcPts val="0"/>
-              </a:spcBef>
-              <a:spcAft>
-                <a:spcPts val="0"/>
-              </a:spcAft>
-              <a:buNone/>
-            </a:pPr>
-            <a:r>
-              <a:rPr lang="en"/>
-              <a:t>Golsa Nezami , 9623111 , S16</a:t>
-            </a:r>
-            <a:endParaRPr/>
+            <a:pPr lvl="0"/>
+            <a:r>
+              <a:rPr lang="en" dirty="0"/>
+              <a:t>Golsa Nezami , 9623111 , </a:t>
+            </a:r>
+            <a:r>
+              <a:rPr lang="en" dirty="0"/>
+              <a:t>Session = </a:t>
+            </a:r>
+            <a:r>
+              <a:rPr lang="en" dirty="0" smtClean="0"/>
+              <a:t>#</a:t>
+            </a:r>
+            <a:r>
+              <a:rPr lang="en-US" dirty="0" smtClean="0"/>
+              <a:t>S16-990202</a:t>
+            </a:r>
+            <a:endParaRPr dirty="0"/>
           </a:p>
         </p:txBody>
       </p:sp>
@@ -12243,20 +12263,24 @@
           </a:bodyPr>
           <a:lstStyle/>
           <a:p>
-            <a:pPr marL="0" lvl="0" indent="0" algn="l" rtl="0">
-              <a:spcBef>
-                <a:spcPts val="0"/>
-              </a:spcBef>
-              <a:spcAft>
-                <a:spcPts val="0"/>
-              </a:spcAft>
-              <a:buNone/>
-            </a:pPr>
-            <a:r>
-              <a:rPr lang="en"/>
-              <a:t>Alireza Najafi, 9623110, S17</a:t>
-            </a:r>
-            <a:endParaRPr/>
+            <a:pPr lvl="0"/>
+            <a:r>
+              <a:rPr lang="en" dirty="0"/>
+              <a:t>Alireza Najafi, 9623110, </a:t>
+            </a:r>
+            <a:r>
+              <a:rPr lang="en" dirty="0"/>
+              <a:t>Session = </a:t>
+            </a:r>
+            <a:r>
+              <a:rPr lang="en" dirty="0" smtClean="0"/>
+              <a:t>#</a:t>
+            </a:r>
+            <a:r>
+              <a:rPr lang="en-US" dirty="0" smtClean="0"/>
+              <a:t>S17-990207</a:t>
+            </a:r>
+            <a:endParaRPr dirty="0"/>
           </a:p>
         </p:txBody>
       </p:sp>
@@ -12678,22 +12702,26 @@
           </a:bodyPr>
           <a:lstStyle/>
           <a:p>
-            <a:pPr marL="0" lvl="0" indent="0" algn="l" rtl="0">
-              <a:spcBef>
-                <a:spcPts val="0"/>
-              </a:spcBef>
-              <a:spcAft>
-                <a:spcPts val="0"/>
-              </a:spcAft>
-              <a:buNone/>
-            </a:pPr>
+            <a:pPr lvl="0"/>
             <a:r>
               <a:rPr lang="en" dirty="0"/>
               <a:t>Mohammad Javad Ranjbar, </a:t>
             </a:r>
             <a:r>
               <a:rPr lang="en" dirty="0" smtClean="0"/>
-              <a:t>9523048, S18</a:t>
+              <a:t>9523048, </a:t>
+            </a:r>
+            <a:r>
+              <a:rPr lang="en" dirty="0"/>
+              <a:t>Session = </a:t>
+            </a:r>
+            <a:r>
+              <a:rPr lang="en" dirty="0" smtClean="0"/>
+              <a:t>#</a:t>
+            </a:r>
+            <a:r>
+              <a:rPr lang="en-US" dirty="0" smtClean="0"/>
+              <a:t>S18-990214</a:t>
             </a:r>
             <a:endParaRPr dirty="0"/>
           </a:p>
@@ -13911,20 +13939,24 @@
           </a:bodyPr>
           <a:lstStyle/>
           <a:p>
-            <a:pPr marL="0" lvl="0" indent="0" algn="l" rtl="0">
-              <a:spcBef>
-                <a:spcPts val="0"/>
-              </a:spcBef>
-              <a:spcAft>
-                <a:spcPts val="0"/>
-              </a:spcAft>
-              <a:buNone/>
-            </a:pPr>
-            <a:r>
-              <a:rPr lang="en"/>
-              <a:t>Sepehr Karimi, 9523102, S19</a:t>
-            </a:r>
-            <a:endParaRPr/>
+            <a:pPr lvl="0"/>
+            <a:r>
+              <a:rPr lang="en" dirty="0"/>
+              <a:t>Sepehr Karimi, 9523102, </a:t>
+            </a:r>
+            <a:r>
+              <a:rPr lang="en" dirty="0"/>
+              <a:t>Session = </a:t>
+            </a:r>
+            <a:r>
+              <a:rPr lang="en" dirty="0" smtClean="0"/>
+              <a:t>#</a:t>
+            </a:r>
+            <a:r>
+              <a:rPr lang="en-US" dirty="0" smtClean="0"/>
+              <a:t>S19-990216</a:t>
+            </a:r>
+            <a:endParaRPr dirty="0"/>
           </a:p>
         </p:txBody>
       </p:sp>
@@ -14270,20 +14302,24 @@
           </a:bodyPr>
           <a:lstStyle/>
           <a:p>
-            <a:pPr marL="0" lvl="0" indent="0" algn="l" rtl="0">
-              <a:spcBef>
-                <a:spcPts val="0"/>
-              </a:spcBef>
-              <a:spcAft>
-                <a:spcPts val="0"/>
-              </a:spcAft>
-              <a:buNone/>
-            </a:pPr>
-            <a:r>
-              <a:rPr lang="en"/>
-              <a:t>Saba Sadatamin, 9623502, S22</a:t>
-            </a:r>
-            <a:endParaRPr/>
+            <a:pPr lvl="0"/>
+            <a:r>
+              <a:rPr lang="en" dirty="0"/>
+              <a:t>Saba Sadatamin, 9623502, </a:t>
+            </a:r>
+            <a:r>
+              <a:rPr lang="en" dirty="0"/>
+              <a:t>Session = </a:t>
+            </a:r>
+            <a:r>
+              <a:rPr lang="en" dirty="0" smtClean="0"/>
+              <a:t>#</a:t>
+            </a:r>
+            <a:r>
+              <a:rPr lang="en-US" dirty="0" smtClean="0"/>
+              <a:t>S22-990228</a:t>
+            </a:r>
+            <a:endParaRPr dirty="0"/>
           </a:p>
         </p:txBody>
       </p:sp>
@@ -14633,18 +14669,18 @@
           </a:bodyPr>
           <a:lstStyle/>
           <a:p>
-            <a:pPr marL="0" lvl="0" indent="0" algn="l" rtl="0">
-              <a:spcBef>
-                <a:spcPts val="0"/>
-              </a:spcBef>
-              <a:spcAft>
-                <a:spcPts val="0"/>
-              </a:spcAft>
-              <a:buNone/>
-            </a:pPr>
+            <a:pPr lvl="0"/>
             <a:r>
               <a:rPr lang="en" dirty="0"/>
-              <a:t>Abolfazl Fekri , 9529044 , S01</a:t>
+              <a:t>Abolfazl Fekri , 9529044 , </a:t>
+            </a:r>
+            <a:r>
+              <a:rPr lang="en" dirty="0" smtClean="0"/>
+              <a:t>Session = #</a:t>
+            </a:r>
+            <a:r>
+              <a:rPr lang="en-US" dirty="0" smtClean="0"/>
+              <a:t>S01-981120</a:t>
             </a:r>
             <a:endParaRPr dirty="0"/>
           </a:p>
@@ -15588,20 +15624,24 @@
           </a:bodyPr>
           <a:lstStyle/>
           <a:p>
-            <a:pPr marL="0" lvl="0" indent="0" algn="l" rtl="0">
-              <a:spcBef>
-                <a:spcPts val="0"/>
-              </a:spcBef>
-              <a:spcAft>
-                <a:spcPts val="0"/>
-              </a:spcAft>
-              <a:buNone/>
-            </a:pPr>
-            <a:r>
-              <a:rPr lang="en"/>
-              <a:t>Golnaz Bashirain, 9523405, S24</a:t>
-            </a:r>
-            <a:endParaRPr/>
+            <a:pPr lvl="0"/>
+            <a:r>
+              <a:rPr lang="en" dirty="0"/>
+              <a:t>Golnaz Bashirain, 9523405, </a:t>
+            </a:r>
+            <a:r>
+              <a:rPr lang="en" dirty="0"/>
+              <a:t>Session = </a:t>
+            </a:r>
+            <a:r>
+              <a:rPr lang="en" dirty="0" smtClean="0"/>
+              <a:t>#</a:t>
+            </a:r>
+            <a:r>
+              <a:rPr lang="en-US" dirty="0" smtClean="0"/>
+              <a:t>S24-990306</a:t>
+            </a:r>
+            <a:endParaRPr dirty="0"/>
           </a:p>
         </p:txBody>
       </p:sp>
@@ -16273,20 +16313,24 @@
           </a:bodyPr>
           <a:lstStyle/>
           <a:p>
-            <a:pPr marL="0" lvl="0" indent="0" algn="l" rtl="0">
-              <a:spcBef>
-                <a:spcPts val="0"/>
-              </a:spcBef>
-              <a:spcAft>
-                <a:spcPts val="0"/>
-              </a:spcAft>
-              <a:buNone/>
-            </a:pPr>
-            <a:r>
-              <a:rPr lang="en"/>
-              <a:t>Soheil Davoudi, 9523041 , S25</a:t>
-            </a:r>
-            <a:endParaRPr/>
+            <a:pPr lvl="0"/>
+            <a:r>
+              <a:rPr lang="en" dirty="0"/>
+              <a:t>Soheil Davoudi, 9523041 , </a:t>
+            </a:r>
+            <a:r>
+              <a:rPr lang="en" dirty="0"/>
+              <a:t>Session = </a:t>
+            </a:r>
+            <a:r>
+              <a:rPr lang="en" dirty="0" smtClean="0"/>
+              <a:t>#</a:t>
+            </a:r>
+            <a:r>
+              <a:rPr lang="en-US" dirty="0" smtClean="0"/>
+              <a:t>S25-990311</a:t>
+            </a:r>
+            <a:endParaRPr dirty="0"/>
           </a:p>
         </p:txBody>
       </p:sp>
@@ -16704,15 +16748,7 @@
           </a:bodyPr>
           <a:lstStyle/>
           <a:p>
-            <a:pPr marL="0" lvl="0" indent="0" algn="l" rtl="0">
-              <a:spcBef>
-                <a:spcPts val="0"/>
-              </a:spcBef>
-              <a:spcAft>
-                <a:spcPts val="0"/>
-              </a:spcAft>
-              <a:buNone/>
-            </a:pPr>
+            <a:pPr lvl="0"/>
             <a:r>
               <a:rPr lang="en" sz="3600" b="1" dirty="0">
                 <a:solidFill>
@@ -16726,16 +16762,37 @@
               <a:t>Hamed Akhlaghi , 9623004, </a:t>
             </a:r>
             <a:r>
-              <a:rPr lang="en" sz="3600" b="1" dirty="0" smtClean="0">
+              <a:rPr lang="en" sz="3600" b="1" dirty="0">
                 <a:solidFill>
                   <a:srgbClr val="EF6C00"/>
                 </a:solidFill>
                 <a:latin typeface="PT Sans Narrow"/>
                 <a:ea typeface="PT Sans Narrow"/>
                 <a:cs typeface="PT Sans Narrow"/>
-                <a:sym typeface="PT Sans Narrow"/>
-              </a:rPr>
-              <a:t>S02</a:t>
+              </a:rPr>
+              <a:t>Session = </a:t>
+            </a:r>
+            <a:r>
+              <a:rPr lang="en" sz="3600" b="1" dirty="0">
+                <a:solidFill>
+                  <a:srgbClr val="EF6C00"/>
+                </a:solidFill>
+                <a:latin typeface="PT Sans Narrow"/>
+                <a:ea typeface="PT Sans Narrow"/>
+                <a:cs typeface="PT Sans Narrow"/>
+              </a:rPr>
+              <a:t>#</a:t>
+            </a:r>
+            <a:r>
+              <a:rPr lang="en-US" sz="3600" b="1" dirty="0">
+                <a:solidFill>
+                  <a:srgbClr val="EF6C00"/>
+                </a:solidFill>
+                <a:latin typeface="PT Sans Narrow"/>
+                <a:ea typeface="PT Sans Narrow"/>
+                <a:cs typeface="PT Sans Narrow"/>
+              </a:rPr>
+              <a:t>S02-981127</a:t>
             </a:r>
             <a:endParaRPr sz="3600" b="1" dirty="0">
               <a:solidFill>
@@ -16822,13 +16879,13 @@
               </a:rPr>
               <a:t>bitwise operator</a:t>
             </a:r>
-            <a:endParaRPr sz="1300" dirty="0">
+            <a:endParaRPr sz="3600" b="1" dirty="0">
               <a:solidFill>
-                <a:srgbClr val="233A44"/>
+                <a:srgbClr val="EF6C00"/>
               </a:solidFill>
-              <a:latin typeface="Calibri"/>
-              <a:ea typeface="Calibri"/>
-              <a:cs typeface="Calibri"/>
+              <a:latin typeface="PT Sans Narrow"/>
+              <a:ea typeface="PT Sans Narrow"/>
+              <a:cs typeface="PT Sans Narrow"/>
               <a:sym typeface="Calibri"/>
             </a:endParaRPr>
           </a:p>
@@ -17488,18 +17545,22 @@
           </a:bodyPr>
           <a:lstStyle/>
           <a:p>
-            <a:pPr marL="0" lvl="0" indent="0" algn="l" rtl="0">
-              <a:spcBef>
-                <a:spcPts val="0"/>
-              </a:spcBef>
-              <a:spcAft>
-                <a:spcPts val="0"/>
-              </a:spcAft>
-              <a:buNone/>
-            </a:pPr>
+            <a:pPr lvl="0"/>
             <a:r>
               <a:rPr lang="en" dirty="0"/>
-              <a:t>Mohammadjavadzare,9623058,S03</a:t>
+              <a:t>Mohammadjavadzare,9623058</a:t>
+            </a:r>
+            <a:r>
+              <a:rPr lang="en" dirty="0"/>
+              <a:t>, Session = </a:t>
+            </a:r>
+            <a:r>
+              <a:rPr lang="en" dirty="0" smtClean="0"/>
+              <a:t>#</a:t>
+            </a:r>
+            <a:r>
+              <a:rPr lang="en-US" dirty="0" smtClean="0"/>
+              <a:t>S03-981129</a:t>
             </a:r>
             <a:endParaRPr dirty="0"/>
           </a:p>
@@ -17541,7 +17602,103 @@
             </a:pPr>
             <a:r>
               <a:rPr lang="en" dirty="0" smtClean="0"/>
-              <a:t>00:01:05</a:t>
+              <a:t>00:01:05:</a:t>
+            </a:r>
+            <a:r>
+              <a:rPr lang="en" dirty="0"/>
+              <a:t> </a:t>
+            </a:r>
+            <a:r>
+              <a:rPr lang="en" dirty="0" smtClean="0"/>
+              <a:t>namespace</a:t>
+            </a:r>
+            <a:endParaRPr dirty="0"/>
+          </a:p>
+          <a:p>
+            <a:pPr marL="0" lvl="0" indent="0" algn="l" rtl="0">
+              <a:spcBef>
+                <a:spcPts val="1600"/>
+              </a:spcBef>
+              <a:spcAft>
+                <a:spcPts val="0"/>
+              </a:spcAft>
+              <a:buNone/>
+            </a:pPr>
+            <a:r>
+              <a:rPr lang="en" dirty="0" smtClean="0"/>
+              <a:t>00:09:10:</a:t>
+            </a:r>
+            <a:r>
+              <a:rPr lang="en" dirty="0"/>
+              <a:t> </a:t>
+            </a:r>
+            <a:r>
+              <a:rPr lang="en" dirty="0" smtClean="0"/>
+              <a:t>vector</a:t>
+            </a:r>
+            <a:endParaRPr dirty="0"/>
+          </a:p>
+          <a:p>
+            <a:pPr marL="0" lvl="0" indent="0" algn="l" rtl="0">
+              <a:spcBef>
+                <a:spcPts val="1600"/>
+              </a:spcBef>
+              <a:spcAft>
+                <a:spcPts val="0"/>
+              </a:spcAft>
+              <a:buNone/>
+            </a:pPr>
+            <a:r>
+              <a:rPr lang="en" dirty="0" smtClean="0"/>
+              <a:t>00:12:56:</a:t>
+            </a:r>
+            <a:r>
+              <a:rPr lang="en" dirty="0"/>
+              <a:t> </a:t>
+            </a:r>
+            <a:r>
+              <a:rPr lang="en" dirty="0" smtClean="0"/>
+              <a:t>array</a:t>
+            </a:r>
+            <a:endParaRPr dirty="0"/>
+          </a:p>
+          <a:p>
+            <a:pPr marL="0" lvl="0" indent="0" algn="l" rtl="0">
+              <a:spcBef>
+                <a:spcPts val="1600"/>
+              </a:spcBef>
+              <a:spcAft>
+                <a:spcPts val="0"/>
+              </a:spcAft>
+              <a:buNone/>
+            </a:pPr>
+            <a:r>
+              <a:rPr lang="en" dirty="0" smtClean="0"/>
+              <a:t>00:24:20:</a:t>
+            </a:r>
+            <a:r>
+              <a:rPr lang="en" dirty="0"/>
+              <a:t> </a:t>
+            </a:r>
+            <a:r>
+              <a:rPr lang="en" dirty="0" smtClean="0"/>
+              <a:t>pointer</a:t>
+            </a:r>
+            <a:endParaRPr dirty="0"/>
+          </a:p>
+          <a:p>
+            <a:pPr marL="0" lvl="0" indent="0" algn="l" rtl="0">
+              <a:spcBef>
+                <a:spcPts val="1600"/>
+              </a:spcBef>
+              <a:spcAft>
+                <a:spcPts val="0"/>
+              </a:spcAft>
+              <a:buNone/>
+            </a:pPr>
+            <a:r>
+              <a:rPr lang="en" smtClean="0"/>
+              <a:t>00:58:55</a:t>
             </a:r>
             <a:r>
               <a:rPr lang="en" dirty="0" smtClean="0"/>
@@ -17553,118 +17710,6 @@
             </a:r>
             <a:r>
               <a:rPr lang="en" dirty="0" smtClean="0"/>
-              <a:t>namespace</a:t>
-            </a:r>
-            <a:endParaRPr dirty="0"/>
-          </a:p>
-          <a:p>
-            <a:pPr marL="0" lvl="0" indent="0" algn="l" rtl="0">
-              <a:spcBef>
-                <a:spcPts val="1600"/>
-              </a:spcBef>
-              <a:spcAft>
-                <a:spcPts val="0"/>
-              </a:spcAft>
-              <a:buNone/>
-            </a:pPr>
-            <a:r>
-              <a:rPr lang="en" dirty="0" smtClean="0"/>
-              <a:t>00:09:10</a:t>
-            </a:r>
-            <a:r>
-              <a:rPr lang="en" dirty="0" smtClean="0"/>
-              <a:t>:</a:t>
-            </a:r>
-            <a:r>
-              <a:rPr lang="en" dirty="0"/>
-              <a:t> </a:t>
-            </a:r>
-            <a:r>
-              <a:rPr lang="en" dirty="0" smtClean="0"/>
-              <a:t>vector</a:t>
-            </a:r>
-            <a:endParaRPr dirty="0"/>
-          </a:p>
-          <a:p>
-            <a:pPr marL="0" lvl="0" indent="0" algn="l" rtl="0">
-              <a:spcBef>
-                <a:spcPts val="1600"/>
-              </a:spcBef>
-              <a:spcAft>
-                <a:spcPts val="0"/>
-              </a:spcAft>
-              <a:buNone/>
-            </a:pPr>
-            <a:r>
-              <a:rPr lang="en" dirty="0" smtClean="0"/>
-              <a:t>00:12:56</a:t>
-            </a:r>
-            <a:r>
-              <a:rPr lang="en" dirty="0" smtClean="0"/>
-              <a:t>:</a:t>
-            </a:r>
-            <a:r>
-              <a:rPr lang="en" dirty="0"/>
-              <a:t> </a:t>
-            </a:r>
-            <a:r>
-              <a:rPr lang="en" dirty="0" smtClean="0"/>
-              <a:t>array</a:t>
-            </a:r>
-            <a:endParaRPr dirty="0"/>
-          </a:p>
-          <a:p>
-            <a:pPr marL="0" lvl="0" indent="0" algn="l" rtl="0">
-              <a:spcBef>
-                <a:spcPts val="1600"/>
-              </a:spcBef>
-              <a:spcAft>
-                <a:spcPts val="0"/>
-              </a:spcAft>
-              <a:buNone/>
-            </a:pPr>
-            <a:r>
-              <a:rPr lang="en" dirty="0" smtClean="0"/>
-              <a:t>00:24:20</a:t>
-            </a:r>
-            <a:r>
-              <a:rPr lang="en" dirty="0" smtClean="0"/>
-              <a:t>:</a:t>
-            </a:r>
-            <a:r>
-              <a:rPr lang="en" dirty="0"/>
-              <a:t> </a:t>
-            </a:r>
-            <a:r>
-              <a:rPr lang="en" dirty="0" smtClean="0"/>
-              <a:t>pointer</a:t>
-            </a:r>
-            <a:endParaRPr dirty="0"/>
-          </a:p>
-          <a:p>
-            <a:pPr marL="0" lvl="0" indent="0" algn="l" rtl="0">
-              <a:spcBef>
-                <a:spcPts val="1600"/>
-              </a:spcBef>
-              <a:spcAft>
-                <a:spcPts val="0"/>
-              </a:spcAft>
-              <a:buNone/>
-            </a:pPr>
-            <a:r>
-              <a:rPr lang="en" smtClean="0"/>
-              <a:t>00:58:55</a:t>
-            </a:r>
-            <a:r>
-              <a:rPr lang="en" dirty="0" smtClean="0"/>
-              <a:t>:</a:t>
-            </a:r>
-            <a:r>
-              <a:rPr lang="en" dirty="0"/>
-              <a:t> </a:t>
-            </a:r>
-            <a:r>
-              <a:rPr lang="en" dirty="0" smtClean="0"/>
               <a:t>new </a:t>
             </a:r>
             <a:r>
@@ -17685,11 +17730,7 @@
             </a:pPr>
             <a:r>
               <a:rPr lang="en" dirty="0" smtClean="0"/>
-              <a:t>01:05:06</a:t>
-            </a:r>
-            <a:r>
-              <a:rPr lang="en" dirty="0" smtClean="0"/>
-              <a:t>:</a:t>
+              <a:t>01:05:06:</a:t>
             </a:r>
             <a:r>
               <a:rPr lang="en" dirty="0"/>
@@ -17795,18 +17836,22 @@
           </a:bodyPr>
           <a:lstStyle/>
           <a:p>
-            <a:pPr marL="0" lvl="0" indent="0" algn="l" rtl="0">
-              <a:spcBef>
-                <a:spcPts val="0"/>
-              </a:spcBef>
-              <a:spcAft>
-                <a:spcPts val="0"/>
-              </a:spcAft>
-              <a:buNone/>
-            </a:pPr>
+            <a:pPr lvl="0"/>
             <a:r>
               <a:rPr lang="en" dirty="0"/>
-              <a:t>Seyyed Ali Ebadi , 9523081 , S04</a:t>
+              <a:t>Seyyed Ali Ebadi , 9523081 , </a:t>
+            </a:r>
+            <a:r>
+              <a:rPr lang="en" dirty="0"/>
+              <a:t>Session = </a:t>
+            </a:r>
+            <a:r>
+              <a:rPr lang="en" dirty="0" smtClean="0"/>
+              <a:t>#</a:t>
+            </a:r>
+            <a:r>
+              <a:rPr lang="en-US" dirty="0" smtClean="0"/>
+              <a:t>S04-981213</a:t>
             </a:r>
             <a:endParaRPr dirty="0"/>
           </a:p>
@@ -18706,20 +18751,24 @@
           </a:bodyPr>
           <a:lstStyle/>
           <a:p>
-            <a:pPr marL="0" lvl="0" indent="0" algn="l" rtl="0">
-              <a:spcBef>
-                <a:spcPts val="0"/>
-              </a:spcBef>
-              <a:spcAft>
-                <a:spcPts val="0"/>
-              </a:spcAft>
-              <a:buNone/>
-            </a:pPr>
-            <a:r>
-              <a:rPr lang="en"/>
-              <a:t>MohammadAmini,9523009,S05 </a:t>
-            </a:r>
-            <a:endParaRPr/>
+            <a:pPr lvl="0"/>
+            <a:r>
+              <a:rPr lang="en" dirty="0"/>
+              <a:t>MohammadAmini,9523009</a:t>
+            </a:r>
+            <a:r>
+              <a:rPr lang="en" dirty="0"/>
+              <a:t>, Session = </a:t>
+            </a:r>
+            <a:r>
+              <a:rPr lang="en" dirty="0" smtClean="0"/>
+              <a:t>#</a:t>
+            </a:r>
+            <a:r>
+              <a:rPr lang="en-US" dirty="0" smtClean="0"/>
+              <a:t>S05-981220</a:t>
+            </a:r>
+            <a:endParaRPr dirty="0"/>
           </a:p>
         </p:txBody>
       </p:sp>
@@ -18933,32 +18982,36 @@
           </a:bodyPr>
           <a:lstStyle/>
           <a:p>
-            <a:pPr marL="0" lvl="0" indent="0" algn="l" rtl="0">
-              <a:spcBef>
-                <a:spcPts val="0"/>
-              </a:spcBef>
-              <a:spcAft>
-                <a:spcPts val="0"/>
-              </a:spcAft>
-              <a:buNone/>
-            </a:pPr>
-            <a:r>
-              <a:rPr lang="en"/>
-              <a:t>AliYaghoobian,9623118, S06</a:t>
-            </a:r>
-            <a:endParaRPr/>
-          </a:p>
-          <a:p>
-            <a:pPr marL="0" lvl="0" indent="0" algn="l" rtl="0">
-              <a:spcBef>
-                <a:spcPts val="0"/>
-              </a:spcBef>
-              <a:spcAft>
-                <a:spcPts val="0"/>
-              </a:spcAft>
-              <a:buNone/>
-            </a:pPr>
-            <a:endParaRPr/>
+            <a:pPr lvl="0"/>
+            <a:r>
+              <a:rPr lang="en" dirty="0"/>
+              <a:t>AliYaghoobian,9623118, </a:t>
+            </a:r>
+            <a:r>
+              <a:rPr lang="en" dirty="0"/>
+              <a:t>Session = </a:t>
+            </a:r>
+            <a:r>
+              <a:rPr lang="en" dirty="0" smtClean="0"/>
+              <a:t>#</a:t>
+            </a:r>
+            <a:r>
+              <a:rPr lang="en-US" dirty="0" smtClean="0"/>
+              <a:t>S06-981222</a:t>
+            </a:r>
+            <a:endParaRPr dirty="0"/>
+          </a:p>
+          <a:p>
+            <a:pPr marL="0" lvl="0" indent="0" algn="l" rtl="0">
+              <a:spcBef>
+                <a:spcPts val="0"/>
+              </a:spcBef>
+              <a:spcAft>
+                <a:spcPts val="0"/>
+              </a:spcAft>
+              <a:buNone/>
+            </a:pPr>
+            <a:endParaRPr dirty="0"/>
           </a:p>
         </p:txBody>
       </p:sp>
@@ -19351,20 +19404,24 @@
           </a:bodyPr>
           <a:lstStyle/>
           <a:p>
-            <a:pPr marL="0" lvl="0" indent="0" algn="l" rtl="0">
-              <a:spcBef>
-                <a:spcPts val="0"/>
-              </a:spcBef>
-              <a:spcAft>
-                <a:spcPts val="0"/>
-              </a:spcAft>
-              <a:buNone/>
-            </a:pPr>
-            <a:r>
-              <a:rPr lang="en"/>
-              <a:t>Nila masroori saadat, 9523111, S07</a:t>
-            </a:r>
-            <a:endParaRPr/>
+            <a:pPr lvl="0"/>
+            <a:r>
+              <a:rPr lang="en" dirty="0"/>
+              <a:t>Nila masroori saadat, 9523111, </a:t>
+            </a:r>
+            <a:r>
+              <a:rPr lang="en" dirty="0"/>
+              <a:t>Session = </a:t>
+            </a:r>
+            <a:r>
+              <a:rPr lang="en" dirty="0" smtClean="0"/>
+              <a:t>#</a:t>
+            </a:r>
+            <a:r>
+              <a:rPr lang="en-US" dirty="0" smtClean="0"/>
+              <a:t>S07-981223</a:t>
+            </a:r>
+            <a:endParaRPr dirty="0"/>
           </a:p>
         </p:txBody>
       </p:sp>
@@ -19758,20 +19815,24 @@
           </a:bodyPr>
           <a:lstStyle/>
           <a:p>
-            <a:pPr marL="0" lvl="0" indent="0" algn="l" rtl="0">
-              <a:spcBef>
-                <a:spcPts val="0"/>
-              </a:spcBef>
-              <a:spcAft>
-                <a:spcPts val="0"/>
-              </a:spcAft>
-              <a:buNone/>
-            </a:pPr>
-            <a:r>
-              <a:rPr lang="en"/>
-              <a:t>Sina Rashidi, 9523047, S09</a:t>
-            </a:r>
-            <a:endParaRPr/>
+            <a:pPr lvl="0"/>
+            <a:r>
+              <a:rPr lang="en" dirty="0"/>
+              <a:t>Sina Rashidi, 9523047, </a:t>
+            </a:r>
+            <a:r>
+              <a:rPr lang="en" dirty="0"/>
+              <a:t>Session = </a:t>
+            </a:r>
+            <a:r>
+              <a:rPr lang="en" dirty="0" smtClean="0"/>
+              <a:t>#</a:t>
+            </a:r>
+            <a:r>
+              <a:rPr lang="en-US" dirty="0" smtClean="0"/>
+              <a:t>S09-981227</a:t>
+            </a:r>
+            <a:endParaRPr dirty="0"/>
           </a:p>
         </p:txBody>
       </p:sp>
